--- a/main/games/luckyunicorn/Rock Paper Scissors Documentation.pptx
+++ b/main/games/luckyunicorn/Rock Paper Scissors Documentation.pptx
@@ -8273,7 +8273,24 @@
                 </a:solidFill>
                 <a:hlinkClick r:id="rId3"/>
               </a:rPr>
-              <a:t>https://github.com/shannon-nz/python-games</a:t>
+              <a:t>https://github.com/</a:t>
+            </a:r>
+            <a:r>
+              <a:rPr lang="en-NZ" sz="1400" b="1">
+                <a:solidFill>
+                  <a:srgbClr val="274E13"/>
+                </a:solidFill>
+                <a:hlinkClick r:id="rId3"/>
+              </a:rPr>
+              <a:t>shannon-nz/pex</a:t>
+            </a:r>
+            <a:r>
+              <a:rPr lang="en-NZ" sz="1400" b="1">
+                <a:solidFill>
+                  <a:srgbClr val="274E13"/>
+                </a:solidFill>
+              </a:rPr>
+              <a:t> </a:t>
             </a:r>
             <a:endParaRPr lang="en-NZ" sz="1400" b="1" dirty="0">
               <a:solidFill>
@@ -14367,12 +14384,6 @@
 </file>
 
 <file path=customXml/item1.xml><?xml version="1.0" encoding="utf-8"?>
-<p:properties xmlns:p="http://schemas.microsoft.com/office/2006/metadata/properties" xmlns:xsi="http://www.w3.org/2001/XMLSchema-instance" xmlns:pc="http://schemas.microsoft.com/office/infopath/2007/PartnerControls">
-  <documentManagement/>
-</p:properties>
-</file>
-
-<file path=customXml/item2.xml><?xml version="1.0" encoding="utf-8"?>
 <ct:contentTypeSchema xmlns:ct="http://schemas.microsoft.com/office/2006/metadata/contentType" xmlns:ma="http://schemas.microsoft.com/office/2006/metadata/properties/metaAttributes" ct:_="" ma:_="" ma:contentTypeName="Document" ma:contentTypeID="0x010100CA5D8974BE78F944A108BF13F2B4CD6A" ma:contentTypeVersion="5" ma:contentTypeDescription="Create a new document." ma:contentTypeScope="" ma:versionID="1e3fc9c3ad9c16f936602fded155d02d">
   <xsd:schema xmlns:xsd="http://www.w3.org/2001/XMLSchema" xmlns:xs="http://www.w3.org/2001/XMLSchema" xmlns:p="http://schemas.microsoft.com/office/2006/metadata/properties" xmlns:ns2="4f936efd-07e9-48ba-b668-2cff2968e155" targetNamespace="http://schemas.microsoft.com/office/2006/metadata/properties" ma:root="true" ma:fieldsID="642a89d75a32cde1551b8a68a7f33533" ns2:_="">
     <xsd:import namespace="4f936efd-07e9-48ba-b668-2cff2968e155"/>
@@ -14524,6 +14535,12 @@
 </ct:contentTypeSchema>
 </file>
 
+<file path=customXml/item2.xml><?xml version="1.0" encoding="utf-8"?>
+<p:properties xmlns:p="http://schemas.microsoft.com/office/2006/metadata/properties" xmlns:xsi="http://www.w3.org/2001/XMLSchema-instance" xmlns:pc="http://schemas.microsoft.com/office/infopath/2007/PartnerControls">
+  <documentManagement/>
+</p:properties>
+</file>
+
 <file path=customXml/item3.xml><?xml version="1.0" encoding="utf-8"?>
 <?mso-contentType ?>
 <FormTemplates xmlns="http://schemas.microsoft.com/sharepoint/v3/contenttype/forms">
@@ -14534,15 +14551,6 @@
 </file>
 
 <file path=customXml/itemProps1.xml><?xml version="1.0" encoding="utf-8"?>
-<ds:datastoreItem xmlns:ds="http://schemas.openxmlformats.org/officeDocument/2006/customXml" ds:itemID="{516D10BD-0186-4A00-BD37-17D1BDE22574}">
-  <ds:schemaRefs>
-    <ds:schemaRef ds:uri="http://schemas.microsoft.com/office/2006/metadata/properties"/>
-    <ds:schemaRef ds:uri="http://schemas.microsoft.com/office/infopath/2007/PartnerControls"/>
-  </ds:schemaRefs>
-</ds:datastoreItem>
-</file>
-
-<file path=customXml/itemProps2.xml><?xml version="1.0" encoding="utf-8"?>
 <ds:datastoreItem xmlns:ds="http://schemas.openxmlformats.org/officeDocument/2006/customXml" ds:itemID="{ECB9EDA7-7083-49EA-8C49-43EBAAC54B35}">
   <ds:schemaRefs>
     <ds:schemaRef ds:uri="http://schemas.microsoft.com/office/2006/metadata/contentType"/>
@@ -14560,6 +14568,15 @@
 </ds:datastoreItem>
 </file>
 
+<file path=customXml/itemProps2.xml><?xml version="1.0" encoding="utf-8"?>
+<ds:datastoreItem xmlns:ds="http://schemas.openxmlformats.org/officeDocument/2006/customXml" ds:itemID="{516D10BD-0186-4A00-BD37-17D1BDE22574}">
+  <ds:schemaRefs>
+    <ds:schemaRef ds:uri="http://schemas.microsoft.com/office/2006/metadata/properties"/>
+    <ds:schemaRef ds:uri="http://schemas.microsoft.com/office/infopath/2007/PartnerControls"/>
+  </ds:schemaRefs>
+</ds:datastoreItem>
+</file>
+
 <file path=customXml/itemProps3.xml><?xml version="1.0" encoding="utf-8"?>
 <ds:datastoreItem xmlns:ds="http://schemas.openxmlformats.org/officeDocument/2006/customXml" ds:itemID="{C55A4F12-1C67-45BB-AEF0-B8BD3F656B95}">
   <ds:schemaRefs>
